--- a/Growth Internet Access.pptx
+++ b/Growth Internet Access.pptx
@@ -14153,7 +14153,7 @@
                 <a:cs typeface="Proxima Nova"/>
                 <a:sym typeface="Proxima Nova"/>
               </a:rPr>
-              <a:t>Esse estudo tempo por obejtivo apresentar </a:t>
+              <a:t>Esse estudo tempo por objetivo apresentar </a:t>
             </a:r>
             <a:r>
               <a:rPr lang="pt-BR" sz="1200">
